--- a/Machine Learning.pptx
+++ b/Machine Learning.pptx
@@ -117,14 +117,6 @@
     </p:ext>
   </p:extLst>
 </p:presentation>
-</file>
-
-<file path=ppt/revisionInfo.xml><?xml version="1.0" encoding="utf-8"?>
-<p1510:revInfo xmlns:a="http://schemas.openxmlformats.org/drawingml/2006/main" xmlns:r="http://schemas.openxmlformats.org/officeDocument/2006/relationships" xmlns:p1510="http://schemas.microsoft.com/office/powerpoint/2015/10/main">
-  <p1510:revLst>
-    <p1510:client id="{1A59E023-0C87-F143-9C7F-69D992E1C586}" v="21" dt="2025-02-25T09:43:15.998"/>
-  </p1510:revLst>
-</p1510:revInfo>
 </file>
 
 <file path=ppt/notesMasters/notesMaster1.xml><?xml version="1.0" encoding="utf-8"?>
@@ -3932,8 +3924,55 @@
             </a:pPr>
             <a:r>
               <a:rPr lang="en-US" dirty="0"/>
-              <a:t>Maximum Likelihood estimation, Bayes Theorem</a:t>
-            </a:r>
+              <a:t>Maximum Likelihood Estimation, Bayes Theorem</a:t>
+            </a:r>
+          </a:p>
+          <a:p>
+            <a:pPr lvl="1">
+              <a:buFont typeface="Wingdings" pitchFamily="2" charset="2"/>
+              <a:buChar char="§"/>
+            </a:pPr>
+            <a:r>
+              <a:rPr lang="en-US" dirty="0" err="1">
+                <a:solidFill>
+                  <a:srgbClr val="008F00"/>
+                </a:solidFill>
+              </a:rPr>
+              <a:t>Einführung</a:t>
+            </a:r>
+            <a:r>
+              <a:rPr lang="en-US" dirty="0">
+                <a:solidFill>
+                  <a:srgbClr val="008F00"/>
+                </a:solidFill>
+              </a:rPr>
+              <a:t> </a:t>
+            </a:r>
+            <a:r>
+              <a:rPr lang="en-US" dirty="0" err="1">
+                <a:solidFill>
+                  <a:srgbClr val="008F00"/>
+                </a:solidFill>
+              </a:rPr>
+              <a:t>Pytorch</a:t>
+            </a:r>
+            <a:r>
+              <a:rPr lang="en-US" dirty="0">
+                <a:solidFill>
+                  <a:srgbClr val="008F00"/>
+                </a:solidFill>
+              </a:rPr>
+              <a:t>: </a:t>
+            </a:r>
+            <a:r>
+              <a:rPr lang="en-US" dirty="0" err="1">
+                <a:solidFill>
+                  <a:srgbClr val="008F00"/>
+                </a:solidFill>
+              </a:rPr>
+              <a:t>Tensoren</a:t>
+            </a:r>
+            <a:endParaRPr lang="en-US" dirty="0"/>
           </a:p>
           <a:p>
             <a:pPr lvl="1">
@@ -3954,7 +3993,7 @@
                   <a:srgbClr val="008F00"/>
                 </a:solidFill>
               </a:rPr>
-              <a:t>: Mixture of Gaussians, Decision Trees</a:t>
+              <a:t>: Bayes Classifier, Decision Trees</a:t>
             </a:r>
           </a:p>
           <a:p>
@@ -3964,7 +4003,7 @@
             </a:pPr>
             <a:r>
               <a:rPr lang="en-US" dirty="0"/>
-              <a:t>Machine Learning </a:t>
+              <a:t>Machine Learning</a:t>
             </a:r>
           </a:p>
           <a:p>
@@ -4005,6 +4044,16 @@
               <a:t>Lösung</a:t>
             </a:r>
             <a:endParaRPr lang="en-US" dirty="0"/>
+          </a:p>
+          <a:p>
+            <a:pPr lvl="1">
+              <a:buFont typeface="Wingdings" pitchFamily="2" charset="2"/>
+              <a:buChar char="§"/>
+            </a:pPr>
+            <a:r>
+              <a:rPr lang="en-US" dirty="0"/>
+              <a:t>Gradient Descent</a:t>
+            </a:r>
           </a:p>
           <a:p>
             <a:pPr lvl="1">
@@ -4049,7 +4098,26 @@
                   <a:srgbClr val="008F00"/>
                 </a:solidFill>
               </a:rPr>
-              <a:t>Tensoren</a:t>
+              <a:t>Matrixoperationen</a:t>
+            </a:r>
+            <a:endParaRPr lang="en-US" dirty="0">
+              <a:solidFill>
+                <a:srgbClr val="008F00"/>
+              </a:solidFill>
+            </a:endParaRPr>
+          </a:p>
+          <a:p>
+            <a:pPr lvl="1">
+              <a:buFont typeface="Wingdings" pitchFamily="2" charset="2"/>
+              <a:buChar char="§"/>
+            </a:pPr>
+            <a:r>
+              <a:rPr lang="en-US" dirty="0" err="1">
+                <a:solidFill>
+                  <a:srgbClr val="008F00"/>
+                </a:solidFill>
+              </a:rPr>
+              <a:t>Pytorch</a:t>
             </a:r>
             <a:r>
               <a:rPr lang="en-US" dirty="0">
@@ -4057,57 +4125,7 @@
                   <a:srgbClr val="008F00"/>
                 </a:solidFill>
               </a:rPr>
-              <a:t>, </a:t>
-            </a:r>
-            <a:r>
-              <a:rPr lang="en-US" dirty="0" err="1">
-                <a:solidFill>
-                  <a:srgbClr val="008F00"/>
-                </a:solidFill>
-              </a:rPr>
-              <a:t>Matrixmultiplikation</a:t>
-            </a:r>
-            <a:r>
-              <a:rPr lang="en-US" dirty="0">
-                <a:solidFill>
-                  <a:srgbClr val="008F00"/>
-                </a:solidFill>
-              </a:rPr>
-              <a:t>, Broadcasting</a:t>
-            </a:r>
-          </a:p>
-          <a:p>
-            <a:pPr lvl="1">
-              <a:buFont typeface="Wingdings" pitchFamily="2" charset="2"/>
-              <a:buChar char="§"/>
-            </a:pPr>
-            <a:r>
-              <a:rPr lang="en-US" dirty="0"/>
-              <a:t>Classification vs Regression: Sigmoid function</a:t>
-            </a:r>
-          </a:p>
-          <a:p>
-            <a:pPr>
-              <a:buFont typeface="Wingdings" pitchFamily="2" charset="2"/>
-              <a:buChar char="§"/>
-            </a:pPr>
-            <a:r>
-              <a:rPr lang="en-US" dirty="0"/>
-              <a:t>Gradient Descent</a:t>
-            </a:r>
-          </a:p>
-          <a:p>
-            <a:pPr lvl="1">
-              <a:buFont typeface="Wingdings" pitchFamily="2" charset="2"/>
-              <a:buChar char="§"/>
-            </a:pPr>
-            <a:r>
-              <a:rPr lang="en-US" dirty="0">
-                <a:solidFill>
-                  <a:srgbClr val="008F00"/>
-                </a:solidFill>
-              </a:rPr>
-              <a:t>Linear Regression: </a:t>
+              <a:t>: Linear Regression: </a:t>
             </a:r>
             <a:r>
               <a:rPr lang="en-US" dirty="0" err="1">
@@ -4148,18 +4166,6 @@
               <a:buChar char="§"/>
             </a:pPr>
             <a:r>
-              <a:rPr lang="en-US" dirty="0"/>
-              <a:t>Loss </a:t>
-            </a:r>
-            <a:r>
-              <a:rPr lang="en-US" dirty="0" err="1"/>
-              <a:t>Funktionen</a:t>
-            </a:r>
-            <a:r>
-              <a:rPr lang="en-US" dirty="0"/>
-              <a:t>, </a:t>
-            </a:r>
-            <a:r>
               <a:rPr lang="en-US" dirty="0" err="1"/>
               <a:t>Regularisierung</a:t>
             </a:r>
@@ -4167,11 +4173,6 @@
               <a:rPr lang="en-US" dirty="0"/>
               <a:t>, Bias-Variance Tradeoff</a:t>
             </a:r>
-            <a:endParaRPr lang="en-US" dirty="0">
-              <a:solidFill>
-                <a:srgbClr val="008F00"/>
-              </a:solidFill>
-            </a:endParaRPr>
           </a:p>
           <a:p>
             <a:pPr lvl="1">
@@ -4179,38 +4180,27 @@
               <a:buChar char="§"/>
             </a:pPr>
             <a:r>
-              <a:rPr lang="en-US" dirty="0" err="1">
-                <a:solidFill>
-                  <a:srgbClr val="008F00"/>
-                </a:solidFill>
-              </a:rPr>
-              <a:t>Pytorch</a:t>
-            </a:r>
-            <a:r>
-              <a:rPr lang="en-US" dirty="0">
-                <a:solidFill>
-                  <a:srgbClr val="008F00"/>
-                </a:solidFill>
-              </a:rPr>
-              <a:t>: </a:t>
-            </a:r>
-            <a:r>
-              <a:rPr lang="en-US" dirty="0" err="1">
-                <a:solidFill>
-                  <a:srgbClr val="008F00"/>
-                </a:solidFill>
-              </a:rPr>
-              <a:t>Dataloader</a:t>
-            </a:r>
-            <a:r>
-              <a:rPr lang="en-US" dirty="0">
-                <a:solidFill>
-                  <a:srgbClr val="008F00"/>
-                </a:solidFill>
-              </a:rPr>
-              <a:t>, Batching</a:t>
-            </a:r>
-            <a:endParaRPr lang="en-US" dirty="0"/>
+              <a:rPr lang="en-US" dirty="0"/>
+              <a:t>Logistic Regression: Sigmoid Function</a:t>
+            </a:r>
+          </a:p>
+          <a:p>
+            <a:pPr lvl="1">
+              <a:buFont typeface="Wingdings" pitchFamily="2" charset="2"/>
+              <a:buChar char="§"/>
+            </a:pPr>
+            <a:r>
+              <a:rPr lang="en-US" dirty="0"/>
+              <a:t>(Loss </a:t>
+            </a:r>
+            <a:r>
+              <a:rPr lang="en-US" dirty="0" err="1"/>
+              <a:t>Funktionen</a:t>
+            </a:r>
+            <a:r>
+              <a:rPr lang="en-US" dirty="0"/>
+              <a:t>)</a:t>
+            </a:r>
           </a:p>
           <a:p>
             <a:pPr>

--- a/Machine Learning.pptx
+++ b/Machine Learning.pptx
@@ -201,7 +201,7 @@
           <a:p>
             <a:fld id="{55D32A08-8DBA-2549-947F-E2858BA65EE2}" type="datetimeFigureOut">
               <a:rPr lang="en-US" smtClean="0"/>
-              <a:t>2/28/25</a:t>
+              <a:t>3/11/25</a:t>
             </a:fld>
             <a:endParaRPr lang="en-US"/>
           </a:p>
@@ -615,7 +615,7 @@
           <a:p>
             <a:fld id="{A5C7D930-E3B9-9042-B073-55F094579918}" type="datetime1">
               <a:rPr lang="en-US" smtClean="0"/>
-              <a:t>2/28/25</a:t>
+              <a:t>3/11/25</a:t>
             </a:fld>
             <a:endParaRPr lang="en-US"/>
           </a:p>
@@ -816,7 +816,7 @@
           <a:p>
             <a:fld id="{8CBB7924-AD3A-DC42-9E47-F05D8569FA94}" type="datetime1">
               <a:rPr lang="en-US" smtClean="0"/>
-              <a:t>2/28/25</a:t>
+              <a:t>3/11/25</a:t>
             </a:fld>
             <a:endParaRPr lang="en-US"/>
           </a:p>
@@ -1027,7 +1027,7 @@
           <a:p>
             <a:fld id="{A0C97A26-B327-F34E-94F1-C12281C5E7E0}" type="datetime1">
               <a:rPr lang="en-US" smtClean="0"/>
-              <a:t>2/28/25</a:t>
+              <a:t>3/11/25</a:t>
             </a:fld>
             <a:endParaRPr lang="en-US"/>
           </a:p>
@@ -1228,7 +1228,7 @@
           <a:p>
             <a:fld id="{214B0417-02BE-0547-AEC2-B6601C73E9BB}" type="datetime1">
               <a:rPr lang="en-US" smtClean="0"/>
-              <a:t>2/28/25</a:t>
+              <a:t>3/11/25</a:t>
             </a:fld>
             <a:endParaRPr lang="en-US"/>
           </a:p>
@@ -1506,7 +1506,7 @@
           <a:p>
             <a:fld id="{958BE460-00F7-7748-882C-129A95C0DBC8}" type="datetime1">
               <a:rPr lang="en-US" smtClean="0"/>
-              <a:t>2/28/25</a:t>
+              <a:t>3/11/25</a:t>
             </a:fld>
             <a:endParaRPr lang="en-US"/>
           </a:p>
@@ -1774,7 +1774,7 @@
           <a:p>
             <a:fld id="{20039140-B70B-0948-B62C-B7AAE40D4D49}" type="datetime1">
               <a:rPr lang="en-US" smtClean="0"/>
-              <a:t>2/28/25</a:t>
+              <a:t>3/11/25</a:t>
             </a:fld>
             <a:endParaRPr lang="en-US"/>
           </a:p>
@@ -2189,7 +2189,7 @@
           <a:p>
             <a:fld id="{32E52B24-3D16-3F42-9BFC-841318859B19}" type="datetime1">
               <a:rPr lang="en-US" smtClean="0"/>
-              <a:t>2/28/25</a:t>
+              <a:t>3/11/25</a:t>
             </a:fld>
             <a:endParaRPr lang="en-US"/>
           </a:p>
@@ -2333,7 +2333,7 @@
           <a:p>
             <a:fld id="{E72B9163-90D5-B344-A046-20B42737238D}" type="datetime1">
               <a:rPr lang="en-US" smtClean="0"/>
-              <a:t>2/28/25</a:t>
+              <a:t>3/11/25</a:t>
             </a:fld>
             <a:endParaRPr lang="en-US"/>
           </a:p>
@@ -2449,7 +2449,7 @@
           <a:p>
             <a:fld id="{42CA98DE-01E7-8E4B-BD22-CEAE896AFD9B}" type="datetime1">
               <a:rPr lang="en-US" smtClean="0"/>
-              <a:t>2/28/25</a:t>
+              <a:t>3/11/25</a:t>
             </a:fld>
             <a:endParaRPr lang="en-US"/>
           </a:p>
@@ -2763,7 +2763,7 @@
           <a:p>
             <a:fld id="{B9D59D01-E146-7249-B2E0-C75DAE4A917E}" type="datetime1">
               <a:rPr lang="en-US" smtClean="0"/>
-              <a:t>2/28/25</a:t>
+              <a:t>3/11/25</a:t>
             </a:fld>
             <a:endParaRPr lang="en-US"/>
           </a:p>
@@ -3054,7 +3054,7 @@
           <a:p>
             <a:fld id="{DB2E7D28-A995-1540-918B-1F1A7DC91E07}" type="datetime1">
               <a:rPr lang="en-US" smtClean="0"/>
-              <a:t>2/28/25</a:t>
+              <a:t>3/11/25</a:t>
             </a:fld>
             <a:endParaRPr lang="en-US"/>
           </a:p>
@@ -3298,7 +3298,7 @@
           <a:p>
             <a:fld id="{64418C0A-D649-0B4F-B8C5-4EEDF3837CFA}" type="datetime1">
               <a:rPr lang="en-US" smtClean="0"/>
-              <a:t>2/28/25</a:t>
+              <a:t>3/11/25</a:t>
             </a:fld>
             <a:endParaRPr lang="en-US"/>
           </a:p>
@@ -4182,24 +4182,6 @@
             <a:r>
               <a:rPr lang="en-US" dirty="0"/>
               <a:t>Logistic Regression: Sigmoid Function</a:t>
-            </a:r>
-          </a:p>
-          <a:p>
-            <a:pPr lvl="1">
-              <a:buFont typeface="Wingdings" pitchFamily="2" charset="2"/>
-              <a:buChar char="§"/>
-            </a:pPr>
-            <a:r>
-              <a:rPr lang="en-US" dirty="0"/>
-              <a:t>(Loss </a:t>
-            </a:r>
-            <a:r>
-              <a:rPr lang="en-US" dirty="0" err="1"/>
-              <a:t>Funktionen</a:t>
-            </a:r>
-            <a:r>
-              <a:rPr lang="en-US" dirty="0"/>
-              <a:t>)</a:t>
             </a:r>
           </a:p>
           <a:p>
